--- a/Loan Data Analysis Project.pptx
+++ b/Loan Data Analysis Project.pptx
@@ -5149,7 +5149,28 @@
           <a:bodyPr/>
           <a:lstStyle/>
           <a:p>
-            <a:endParaRPr lang="en-US"/>
+            <a:r>
+              <a:rPr lang="en-US" dirty="0"/>
+              <a:t>Start with an explanation of how I designed my ETL pipeline</a:t>
+            </a:r>
+          </a:p>
+          <a:p>
+            <a:r>
+              <a:rPr lang="en-US" dirty="0"/>
+              <a:t>Then do a lite demo showcasing my ETL</a:t>
+            </a:r>
+          </a:p>
+          <a:p>
+            <a:r>
+              <a:rPr lang="en-US" dirty="0"/>
+              <a:t>Didn’t have much time to do Data Analysis, but I did investigate…</a:t>
+            </a:r>
+          </a:p>
+          <a:p>
+            <a:r>
+              <a:rPr lang="en-US" dirty="0"/>
+              <a:t>Adventures with Gherkin: BDD occupied a very large part of my time.</a:t>
+            </a:r>
           </a:p>
         </p:txBody>
       </p:sp>
@@ -5233,7 +5254,22 @@
           <a:bodyPr/>
           <a:lstStyle/>
           <a:p>
-            <a:endParaRPr lang="en-US" dirty="0"/>
+            <a:r>
+              <a:rPr lang="en-US" dirty="0"/>
+              <a:t>Problem – design an ETL pipeline that will provide a common format/clean data</a:t>
+            </a:r>
+          </a:p>
+          <a:p>
+            <a:r>
+              <a:rPr lang="en-US" dirty="0"/>
+              <a:t>Provided some important attributes of loans</a:t>
+            </a:r>
+          </a:p>
+          <a:p>
+            <a:r>
+              <a:rPr lang="en-US" dirty="0"/>
+              <a:t>Here’s the format</a:t>
+            </a:r>
           </a:p>
         </p:txBody>
       </p:sp>
@@ -5317,7 +5353,44 @@
           <a:bodyPr/>
           <a:lstStyle/>
           <a:p>
-            <a:endParaRPr lang="en-US" dirty="0"/>
+            <a:r>
+              <a:rPr lang="en-US" dirty="0"/>
+              <a:t>I wanted my ETL to be very modular</a:t>
+            </a:r>
+          </a:p>
+          <a:p>
+            <a:r>
+              <a:rPr lang="en-US" dirty="0"/>
+              <a:t>Connectors, </a:t>
+            </a:r>
+            <a:r>
+              <a:rPr lang="en-US" dirty="0" err="1"/>
+              <a:t>dbs</a:t>
+            </a:r>
+            <a:r>
+              <a:rPr lang="en-US" dirty="0"/>
+              <a:t>, </a:t>
+            </a:r>
+            <a:r>
+              <a:rPr lang="en-US" dirty="0" err="1"/>
+              <a:t>db</a:t>
+            </a:r>
+            <a:r>
+              <a:rPr lang="en-US" dirty="0"/>
+              <a:t> schemas</a:t>
+            </a:r>
+          </a:p>
+          <a:p>
+            <a:r>
+              <a:rPr lang="en-US" dirty="0"/>
+              <a:t>Ended up with ETL framework</a:t>
+            </a:r>
+          </a:p>
+          <a:p>
+            <a:r>
+              <a:rPr lang="en-US" dirty="0"/>
+              <a:t>Show you why</a:t>
+            </a:r>
           </a:p>
         </p:txBody>
       </p:sp>
@@ -5401,7 +5474,7 @@
           <a:bodyPr/>
           <a:lstStyle/>
           <a:p>
-            <a:endParaRPr lang="en-US"/>
+            <a:endParaRPr lang="en-US" dirty="0"/>
           </a:p>
         </p:txBody>
       </p:sp>
@@ -5569,7 +5642,48 @@
           <a:bodyPr/>
           <a:lstStyle/>
           <a:p>
-            <a:endParaRPr lang="en-US"/>
+            <a:r>
+              <a:rPr lang="en-US" dirty="0"/>
+              <a:t>Interested - how the loan grade in general predicted performance</a:t>
+            </a:r>
+          </a:p>
+          <a:p>
+            <a:r>
+              <a:rPr lang="en-US" dirty="0"/>
+              <a:t>No fancy </a:t>
+            </a:r>
+            <a:r>
+              <a:rPr lang="en-US" dirty="0" err="1"/>
+              <a:t>jupyter</a:t>
+            </a:r>
+            <a:r>
+              <a:rPr lang="en-US" dirty="0"/>
+              <a:t> notebooks, excel</a:t>
+            </a:r>
+          </a:p>
+          <a:p>
+            <a:r>
+              <a:rPr lang="en-US" dirty="0"/>
+              <a:t>Subset of data</a:t>
+            </a:r>
+          </a:p>
+          <a:p>
+            <a:pPr marL="228600" indent="-228600">
+              <a:buAutoNum type="arabicPeriod"/>
+            </a:pPr>
+            <a:r>
+              <a:rPr lang="en-US" dirty="0"/>
+              <a:t>Consolidated all the grades A+ and D-</a:t>
+            </a:r>
+          </a:p>
+          <a:p>
+            <a:pPr marL="228600" indent="-228600">
+              <a:buAutoNum type="arabicPeriod"/>
+            </a:pPr>
+            <a:r>
+              <a:rPr lang="en-US" dirty="0"/>
+              <a:t>Consolidated all the “good” and “bad” statuses</a:t>
+            </a:r>
           </a:p>
         </p:txBody>
       </p:sp>
@@ -5737,7 +5851,92 @@
           <a:bodyPr/>
           <a:lstStyle/>
           <a:p>
-            <a:endParaRPr lang="en-US" dirty="0"/>
+            <a:r>
+              <a:rPr lang="en-US" dirty="0"/>
+              <a:t>Thank everyone for amazing experience</a:t>
+            </a:r>
+          </a:p>
+          <a:p>
+            <a:r>
+              <a:rPr lang="en-US" dirty="0"/>
+              <a:t>A lot of firsts:</a:t>
+            </a:r>
+          </a:p>
+          <a:p>
+            <a:pPr marL="171450" indent="-171450">
+              <a:buFontTx/>
+              <a:buChar char="-"/>
+            </a:pPr>
+            <a:r>
+              <a:rPr lang="en-US" dirty="0"/>
+              <a:t>Design ETL</a:t>
+            </a:r>
+          </a:p>
+          <a:p>
+            <a:pPr marL="171450" indent="-171450">
+              <a:buFontTx/>
+              <a:buChar char="-"/>
+            </a:pPr>
+            <a:r>
+              <a:rPr lang="en-US" dirty="0"/>
+              <a:t>TDD</a:t>
+            </a:r>
+          </a:p>
+          <a:p>
+            <a:pPr marL="171450" marR="0" lvl="0" indent="-171450" algn="l" defTabSz="914400" rtl="0" eaLnBrk="1" fontAlgn="auto" latinLnBrk="0" hangingPunct="1">
+              <a:lnSpc>
+                <a:spcPct val="100000"/>
+              </a:lnSpc>
+              <a:spcBef>
+                <a:spcPts val="0"/>
+              </a:spcBef>
+              <a:spcAft>
+                <a:spcPts val="0"/>
+              </a:spcAft>
+              <a:buClrTx/>
+              <a:buSzTx/>
+              <a:buFontTx/>
+              <a:buChar char="-"/>
+              <a:tabLst/>
+              <a:defRPr/>
+            </a:pPr>
+            <a:r>
+              <a:rPr lang="en-US" dirty="0"/>
+              <a:t>Officially worked on a personal project</a:t>
+            </a:r>
+          </a:p>
+          <a:p>
+            <a:pPr marL="0" marR="0" lvl="0" indent="0" algn="l" defTabSz="914400" rtl="0" eaLnBrk="1" fontAlgn="auto" latinLnBrk="0" hangingPunct="1">
+              <a:lnSpc>
+                <a:spcPct val="100000"/>
+              </a:lnSpc>
+              <a:spcBef>
+                <a:spcPts val="0"/>
+              </a:spcBef>
+              <a:spcAft>
+                <a:spcPts val="0"/>
+              </a:spcAft>
+              <a:buClrTx/>
+              <a:buSzTx/>
+              <a:buFontTx/>
+              <a:buNone/>
+              <a:tabLst/>
+              <a:defRPr/>
+            </a:pPr>
+            <a:r>
+              <a:rPr lang="en-US" dirty="0"/>
+              <a:t>Helpful: answered all my pressing questions about the data</a:t>
+            </a:r>
+          </a:p>
+          <a:p>
+            <a:pPr marL="0" indent="0">
+              <a:buFontTx/>
+              <a:buNone/>
+            </a:pPr>
+            <a:r>
+              <a:rPr lang="en-US" dirty="0"/>
+              <a:t>Questions?</a:t>
+            </a:r>
           </a:p>
         </p:txBody>
       </p:sp>
